--- a/Bus Reservation App.pptx
+++ b/Bus Reservation App.pptx
@@ -113,6 +113,11 @@
       </a:defRPr>
     </a:lvl9pPr>
   </p:defaultTextStyle>
+  <p:extLst>
+    <p:ext uri="{EFAFB233-063F-42B5-8137-9DF3F51BA10A}">
+      <p15:sldGuideLst xmlns:p15="http://schemas.microsoft.com/office/powerpoint/2012/main"/>
+    </p:ext>
+  </p:extLst>
 </p:presentation>
 </file>
 
@@ -265,7 +270,7 @@
           <a:p>
             <a:fld id="{0A6C624A-2615-4C59-BCC3-5670BAFCF1BA}" type="datetimeFigureOut">
               <a:rPr lang="en-IN" smtClean="0"/>
-              <a:t>15-07-2024</a:t>
+              <a:t>16-07-2024</a:t>
             </a:fld>
             <a:endParaRPr lang="en-IN"/>
           </a:p>
@@ -465,7 +470,7 @@
           <a:p>
             <a:fld id="{0A6C624A-2615-4C59-BCC3-5670BAFCF1BA}" type="datetimeFigureOut">
               <a:rPr lang="en-IN" smtClean="0"/>
-              <a:t>15-07-2024</a:t>
+              <a:t>16-07-2024</a:t>
             </a:fld>
             <a:endParaRPr lang="en-IN"/>
           </a:p>
@@ -675,7 +680,7 @@
           <a:p>
             <a:fld id="{0A6C624A-2615-4C59-BCC3-5670BAFCF1BA}" type="datetimeFigureOut">
               <a:rPr lang="en-IN" smtClean="0"/>
-              <a:t>15-07-2024</a:t>
+              <a:t>16-07-2024</a:t>
             </a:fld>
             <a:endParaRPr lang="en-IN"/>
           </a:p>
@@ -875,7 +880,7 @@
           <a:p>
             <a:fld id="{0A6C624A-2615-4C59-BCC3-5670BAFCF1BA}" type="datetimeFigureOut">
               <a:rPr lang="en-IN" smtClean="0"/>
-              <a:t>15-07-2024</a:t>
+              <a:t>16-07-2024</a:t>
             </a:fld>
             <a:endParaRPr lang="en-IN"/>
           </a:p>
@@ -1151,7 +1156,7 @@
           <a:p>
             <a:fld id="{0A6C624A-2615-4C59-BCC3-5670BAFCF1BA}" type="datetimeFigureOut">
               <a:rPr lang="en-IN" smtClean="0"/>
-              <a:t>15-07-2024</a:t>
+              <a:t>16-07-2024</a:t>
             </a:fld>
             <a:endParaRPr lang="en-IN"/>
           </a:p>
@@ -1419,7 +1424,7 @@
           <a:p>
             <a:fld id="{0A6C624A-2615-4C59-BCC3-5670BAFCF1BA}" type="datetimeFigureOut">
               <a:rPr lang="en-IN" smtClean="0"/>
-              <a:t>15-07-2024</a:t>
+              <a:t>16-07-2024</a:t>
             </a:fld>
             <a:endParaRPr lang="en-IN"/>
           </a:p>
@@ -1834,7 +1839,7 @@
           <a:p>
             <a:fld id="{0A6C624A-2615-4C59-BCC3-5670BAFCF1BA}" type="datetimeFigureOut">
               <a:rPr lang="en-IN" smtClean="0"/>
-              <a:t>15-07-2024</a:t>
+              <a:t>16-07-2024</a:t>
             </a:fld>
             <a:endParaRPr lang="en-IN"/>
           </a:p>
@@ -1976,7 +1981,7 @@
           <a:p>
             <a:fld id="{0A6C624A-2615-4C59-BCC3-5670BAFCF1BA}" type="datetimeFigureOut">
               <a:rPr lang="en-IN" smtClean="0"/>
-              <a:t>15-07-2024</a:t>
+              <a:t>16-07-2024</a:t>
             </a:fld>
             <a:endParaRPr lang="en-IN"/>
           </a:p>
@@ -2089,7 +2094,7 @@
           <a:p>
             <a:fld id="{0A6C624A-2615-4C59-BCC3-5670BAFCF1BA}" type="datetimeFigureOut">
               <a:rPr lang="en-IN" smtClean="0"/>
-              <a:t>15-07-2024</a:t>
+              <a:t>16-07-2024</a:t>
             </a:fld>
             <a:endParaRPr lang="en-IN"/>
           </a:p>
@@ -2402,7 +2407,7 @@
           <a:p>
             <a:fld id="{0A6C624A-2615-4C59-BCC3-5670BAFCF1BA}" type="datetimeFigureOut">
               <a:rPr lang="en-IN" smtClean="0"/>
-              <a:t>15-07-2024</a:t>
+              <a:t>16-07-2024</a:t>
             </a:fld>
             <a:endParaRPr lang="en-IN"/>
           </a:p>
@@ -2691,7 +2696,7 @@
           <a:p>
             <a:fld id="{0A6C624A-2615-4C59-BCC3-5670BAFCF1BA}" type="datetimeFigureOut">
               <a:rPr lang="en-IN" smtClean="0"/>
-              <a:t>15-07-2024</a:t>
+              <a:t>16-07-2024</a:t>
             </a:fld>
             <a:endParaRPr lang="en-IN"/>
           </a:p>
@@ -2934,7 +2939,7 @@
           <a:p>
             <a:fld id="{0A6C624A-2615-4C59-BCC3-5670BAFCF1BA}" type="datetimeFigureOut">
               <a:rPr lang="en-IN" smtClean="0"/>
-              <a:t>15-07-2024</a:t>
+              <a:t>16-07-2024</a:t>
             </a:fld>
             <a:endParaRPr lang="en-IN"/>
           </a:p>
@@ -5624,7 +5629,7 @@
                 <a:latin typeface="Times New Roman" panose="02020603050405020304" pitchFamily="18" charset="0"/>
                 <a:cs typeface="Times New Roman" panose="02020603050405020304" pitchFamily="18" charset="0"/>
               </a:rPr>
-              <a:t> Frontend:</a:t>
+              <a:t>  Frontend:</a:t>
             </a:r>
             <a:endParaRPr kumimoji="0" lang="en-US" altLang="en-US" sz="1800" b="0" i="0" u="none" strike="noStrike" cap="none" normalizeH="0" baseline="0" dirty="0">
               <a:ln>
@@ -5811,8 +5816,8 @@
         </p:nvSpPr>
         <p:spPr bwMode="auto">
           <a:xfrm>
-            <a:off x="664464" y="961926"/>
-            <a:ext cx="9793224" cy="1754326"/>
+            <a:off x="664464" y="1100425"/>
+            <a:ext cx="10690076" cy="1477328"/>
           </a:xfrm>
           <a:prstGeom prst="rect">
             <a:avLst/>
@@ -5917,7 +5922,7 @@
                 <a:latin typeface="Times New Roman" panose="02020603050405020304" pitchFamily="18" charset="0"/>
                 <a:cs typeface="Times New Roman" panose="02020603050405020304" pitchFamily="18" charset="0"/>
               </a:rPr>
-              <a:t>  Utilizes a relational database (e.g., MySQL or PostgreSQL) to store user data, bus schedules, and                 booking information.</a:t>
+              <a:t>  Utilizes a relational database (e.g., MySQL or PostgreSQL) to store user and admin data, bus schedules, and booking information.</a:t>
             </a:r>
           </a:p>
           <a:p>
